--- a/dbflute-backstage/misc/session/dbfluteshow/dbfluteshow-fes2014-lonely-lt-jflute.pptx
+++ b/dbflute-backstage/misc/session/dbfluteshow/dbfluteshow-fes2014-lonely-lt-jflute.pptx
@@ -366,7 +366,7 @@
           <a:p>
             <a:fld id="{2DF66AD8-BC4A-4004-9882-414398D930CA}" type="datetimeFigureOut">
               <a:rPr lang="en-US" smtClean="0"/>
-              <a:t>2014/11/21</a:t>
+              <a:t>2014/11/22</a:t>
             </a:fld>
             <a:endParaRPr lang="en-US"/>
           </a:p>
@@ -511,7 +511,7 @@
           <a:p>
             <a:fld id="{2DF66AD8-BC4A-4004-9882-414398D930CA}" type="datetimeFigureOut">
               <a:rPr lang="en-US" smtClean="0"/>
-              <a:t>2014/11/21</a:t>
+              <a:t>2014/11/22</a:t>
             </a:fld>
             <a:endParaRPr lang="en-US"/>
           </a:p>
@@ -1096,7 +1096,7 @@
           <a:p>
             <a:fld id="{2DF66AD8-BC4A-4004-9882-414398D930CA}" type="datetimeFigureOut">
               <a:rPr lang="en-US" smtClean="0"/>
-              <a:t>2014/11/21</a:t>
+              <a:t>2014/11/22</a:t>
             </a:fld>
             <a:endParaRPr lang="en-US"/>
           </a:p>
@@ -1560,7 +1560,7 @@
           <a:p>
             <a:fld id="{2DF66AD8-BC4A-4004-9882-414398D930CA}" type="datetimeFigureOut">
               <a:rPr lang="en-US" smtClean="0"/>
-              <a:t>2014/11/21</a:t>
+              <a:t>2014/11/22</a:t>
             </a:fld>
             <a:endParaRPr lang="en-US"/>
           </a:p>
@@ -1650,7 +1650,7 @@
           <a:p>
             <a:fld id="{2DF66AD8-BC4A-4004-9882-414398D930CA}" type="datetimeFigureOut">
               <a:rPr lang="en-US" smtClean="0"/>
-              <a:t>2014/11/21</a:t>
+              <a:t>2014/11/22</a:t>
             </a:fld>
             <a:endParaRPr lang="en-US"/>
           </a:p>
@@ -1960,7 +1960,7 @@
           <a:p>
             <a:fld id="{2DF66AD8-BC4A-4004-9882-414398D930CA}" type="datetimeFigureOut">
               <a:rPr lang="en-US" smtClean="0"/>
-              <a:t>2014/11/21</a:t>
+              <a:t>2014/11/22</a:t>
             </a:fld>
             <a:endParaRPr lang="en-US"/>
           </a:p>
@@ -2153,7 +2153,7 @@
           <a:p>
             <a:fld id="{2DF66AD8-BC4A-4004-9882-414398D930CA}" type="datetimeFigureOut">
               <a:rPr lang="en-US" smtClean="0"/>
-              <a:t>2014/11/21</a:t>
+              <a:t>2014/11/22</a:t>
             </a:fld>
             <a:endParaRPr lang="en-US"/>
           </a:p>
@@ -2895,7 +2895,7 @@
           <a:p>
             <a:fld id="{2DF66AD8-BC4A-4004-9882-414398D930CA}" type="datetimeFigureOut">
               <a:rPr lang="en-US" smtClean="0"/>
-              <a:t>2014/11/21</a:t>
+              <a:t>2014/11/22</a:t>
             </a:fld>
             <a:endParaRPr lang="en-US"/>
           </a:p>
@@ -3233,7 +3233,7 @@
           <a:p>
             <a:fld id="{2DF66AD8-BC4A-4004-9882-414398D930CA}" type="datetimeFigureOut">
               <a:rPr lang="en-US" smtClean="0"/>
-              <a:t>2014/11/21</a:t>
+              <a:t>2014/11/22</a:t>
             </a:fld>
             <a:endParaRPr lang="en-US"/>
           </a:p>
@@ -3830,7 +3830,7 @@
           <a:p>
             <a:fld id="{2DF66AD8-BC4A-4004-9882-414398D930CA}" type="datetimeFigureOut">
               <a:rPr lang="en-US" smtClean="0"/>
-              <a:t>2014/11/21</a:t>
+              <a:t>2014/11/22</a:t>
             </a:fld>
             <a:endParaRPr lang="en-US"/>
           </a:p>
@@ -4045,7 +4045,7 @@
           <a:p>
             <a:fld id="{2DF66AD8-BC4A-4004-9882-414398D930CA}" type="datetimeFigureOut">
               <a:rPr lang="en-US" smtClean="0"/>
-              <a:t>2014/11/21</a:t>
+              <a:t>2014/11/22</a:t>
             </a:fld>
             <a:endParaRPr lang="en-US"/>
           </a:p>
@@ -4246,7 +4246,7 @@
           <a:p>
             <a:fld id="{2DF66AD8-BC4A-4004-9882-414398D930CA}" type="datetimeFigureOut">
               <a:rPr lang="en-US" smtClean="0"/>
-              <a:t>2014/11/21</a:t>
+              <a:t>2014/11/22</a:t>
             </a:fld>
             <a:endParaRPr lang="en-US"/>
           </a:p>
@@ -4471,7 +4471,7 @@
           <a:p>
             <a:fld id="{2DF66AD8-BC4A-4004-9882-414398D930CA}" type="datetimeFigureOut">
               <a:rPr lang="en-US" smtClean="0"/>
-              <a:t>2014/11/21</a:t>
+              <a:t>2014/11/22</a:t>
             </a:fld>
             <a:endParaRPr lang="en-US"/>
           </a:p>
@@ -4890,7 +4890,7 @@
           <a:p>
             <a:fld id="{2DF66AD8-BC4A-4004-9882-414398D930CA}" type="datetimeFigureOut">
               <a:rPr lang="en-US" smtClean="0"/>
-              <a:t>2014/11/21</a:t>
+              <a:t>2014/11/22</a:t>
             </a:fld>
             <a:endParaRPr lang="en-US"/>
           </a:p>
@@ -5188,7 +5188,7 @@
           <a:p>
             <a:fld id="{2DF66AD8-BC4A-4004-9882-414398D930CA}" type="datetimeFigureOut">
               <a:rPr lang="en-US" smtClean="0"/>
-              <a:t>2014/11/21</a:t>
+              <a:t>2014/11/22</a:t>
             </a:fld>
             <a:endParaRPr lang="en-US"/>
           </a:p>
@@ -5589,7 +5589,7 @@
           <a:p>
             <a:fld id="{2DF66AD8-BC4A-4004-9882-414398D930CA}" type="datetimeFigureOut">
               <a:rPr lang="en-US" smtClean="0"/>
-              <a:t>2014/11/21</a:t>
+              <a:t>2014/11/22</a:t>
             </a:fld>
             <a:endParaRPr lang="en-US"/>
           </a:p>
@@ -5979,7 +5979,7 @@
           <a:p>
             <a:fld id="{2DF66AD8-BC4A-4004-9882-414398D930CA}" type="datetimeFigureOut">
               <a:rPr lang="en-US" smtClean="0"/>
-              <a:t>2014/11/21</a:t>
+              <a:t>2014/11/22</a:t>
             </a:fld>
             <a:endParaRPr lang="en-US"/>
           </a:p>
@@ -6326,7 +6326,7 @@
           <a:p>
             <a:fld id="{2DF66AD8-BC4A-4004-9882-414398D930CA}" type="datetimeFigureOut">
               <a:rPr lang="en-US" smtClean="0"/>
-              <a:t>2014/11/21</a:t>
+              <a:t>2014/11/22</a:t>
             </a:fld>
             <a:endParaRPr lang="en-US"/>
           </a:p>
@@ -6829,7 +6829,7 @@
           <a:p>
             <a:fld id="{2DF66AD8-BC4A-4004-9882-414398D930CA}" type="datetimeFigureOut">
               <a:rPr lang="en-US" smtClean="0"/>
-              <a:t>2014/11/21</a:t>
+              <a:t>2014/11/22</a:t>
             </a:fld>
             <a:endParaRPr lang="en-US"/>
           </a:p>
@@ -7155,7 +7155,7 @@
           <a:p>
             <a:fld id="{2DF66AD8-BC4A-4004-9882-414398D930CA}" type="datetimeFigureOut">
               <a:rPr lang="en-US" smtClean="0"/>
-              <a:t>2014/11/21</a:t>
+              <a:t>2014/11/22</a:t>
             </a:fld>
             <a:endParaRPr lang="en-US"/>
           </a:p>
@@ -7511,7 +7511,7 @@
           <a:p>
             <a:fld id="{2DF66AD8-BC4A-4004-9882-414398D930CA}" type="datetimeFigureOut">
               <a:rPr lang="en-US" smtClean="0"/>
-              <a:t>2014/11/21</a:t>
+              <a:t>2014/11/22</a:t>
             </a:fld>
             <a:endParaRPr lang="en-US"/>
           </a:p>
@@ -9946,9 +9946,20 @@
               <a:buNone/>
             </a:pPr>
             <a:r>
-              <a:rPr lang="en-US" altLang="ja-JP" sz="4800" dirty="0" smtClean="0"/>
-              <a:t>Dream Cruise</a:t>
-            </a:r>
+              <a:rPr lang="ja-JP" altLang="en-US" sz="4800" dirty="0" smtClean="0"/>
+              <a:t>アルゼンチン的</a:t>
+            </a:r>
+            <a:endParaRPr lang="en-US" altLang="ja-JP" sz="4800" dirty="0" smtClean="0"/>
+          </a:p>
+          <a:p>
+            <a:pPr marL="0" indent="0" algn="ctr">
+              <a:buNone/>
+            </a:pPr>
+            <a:r>
+              <a:rPr lang="ja-JP" altLang="en-US" sz="4000" dirty="0" smtClean="0"/>
+              <a:t>ソースコードリーディング</a:t>
+            </a:r>
+            <a:endParaRPr lang="en-US" altLang="ja-JP" sz="4000" dirty="0" smtClean="0"/>
           </a:p>
         </p:txBody>
       </p:sp>
